--- a/GitHub Tutorial - CQ.pptx
+++ b/GitHub Tutorial - CQ.pptx
@@ -148,8 +148,36 @@
 
 <file path=ppt/commentAuthors.xml><?xml version="1.0" encoding="utf-8"?>
 <p:cmAuthorLst xmlns:a="http://schemas.openxmlformats.org/drawingml/2006/main" xmlns:r="http://schemas.openxmlformats.org/officeDocument/2006/relationships" xmlns:p="http://schemas.openxmlformats.org/presentationml/2006/main">
-  <p:cmAuthor id="2" name="Author" initials="A" lastIdx="1" clrIdx="1"/>
+  <p:cmAuthor id="2" name="Author" initials="A" lastIdx="4" clrIdx="1"/>
 </p:cmAuthorLst>
+</file>
+
+<file path=ppt/comments/comment1.xml><?xml version="1.0" encoding="utf-8"?>
+<p:cmLst xmlns:a="http://schemas.openxmlformats.org/drawingml/2006/main" xmlns:r="http://schemas.openxmlformats.org/officeDocument/2006/relationships" xmlns:p="http://schemas.openxmlformats.org/presentationml/2006/main">
+  <p:cm authorId="2" dt="2016-05-06T10:28:32.418" idx="3">
+    <p:pos x="2744" y="2101"/>
+    <p:text>Changed url to https://desktop.github.com</p:text>
+    <p:extLst>
+      <p:ext uri="{C676402C-5697-4E1C-873F-D02D1690AC5C}">
+        <p15:threadingInfo xmlns:p15="http://schemas.microsoft.com/office/powerpoint/2012/main" timeZoneBias="240"/>
+      </p:ext>
+    </p:extLst>
+  </p:cm>
+</p:cmLst>
+</file>
+
+<file path=ppt/comments/comment2.xml><?xml version="1.0" encoding="utf-8"?>
+<p:cmLst xmlns:a="http://schemas.openxmlformats.org/drawingml/2006/main" xmlns:r="http://schemas.openxmlformats.org/officeDocument/2006/relationships" xmlns:p="http://schemas.openxmlformats.org/presentationml/2006/main">
+  <p:cm authorId="2" dt="2016-05-06T10:29:47.497" idx="4">
+    <p:pos x="5196" y="1397"/>
+    <p:text>corrected "that"</p:text>
+    <p:extLst>
+      <p:ext uri="{C676402C-5697-4E1C-873F-D02D1690AC5C}">
+        <p15:threadingInfo xmlns:p15="http://schemas.microsoft.com/office/powerpoint/2012/main" timeZoneBias="240"/>
+      </p:ext>
+    </p:extLst>
+  </p:cm>
+</p:cmLst>
 </file>
 
 <file path=ppt/diagrams/colors1.xml><?xml version="1.0" encoding="utf-8"?>
@@ -2705,7 +2733,13 @@
             <a:rPr lang="en-US" dirty="0" smtClean="0">
               <a:hlinkClick xmlns:r="http://schemas.openxmlformats.org/officeDocument/2006/relationships" r:id="rId1"/>
             </a:rPr>
-            <a:t>https://</a:t>
+            <a:t>https</a:t>
+          </a:r>
+          <a:r>
+            <a:rPr lang="en-US" dirty="0" smtClean="0">
+              <a:hlinkClick xmlns:r="http://schemas.openxmlformats.org/officeDocument/2006/relationships" r:id="rId1"/>
+            </a:rPr>
+            <a:t>://</a:t>
           </a:r>
           <a:r>
             <a:rPr lang="en-US" strike="noStrike" baseline="0" dirty="0" smtClean="0">
@@ -2714,16 +2748,7 @@
               </a:solidFill>
               <a:hlinkClick xmlns:r="http://schemas.openxmlformats.org/officeDocument/2006/relationships" r:id="rId1"/>
             </a:rPr>
-            <a:t>window</a:t>
-          </a:r>
-          <a:r>
-            <a:rPr lang="en-US" strike="sngStrike" baseline="0" dirty="0" smtClean="0">
-              <a:solidFill>
-                <a:srgbClr val="FF0000"/>
-              </a:solidFill>
-              <a:hlinkClick xmlns:r="http://schemas.openxmlformats.org/officeDocument/2006/relationships" r:id="rId1"/>
-            </a:rPr>
-            <a:t>s</a:t>
+            <a:t>desktop</a:t>
           </a:r>
           <a:r>
             <a:rPr lang="en-US" dirty="0" smtClean="0">
@@ -3663,37 +3688,37 @@
     </dgm:pt>
   </dgm:ptLst>
   <dgm:cxnLst>
+    <dgm:cxn modelId="{38E64F84-6389-4C7A-8355-2927829B899C}" type="presOf" srcId="{8321AB85-EA8C-4958-B404-B4C118CB3C18}" destId="{E1767793-EDD5-4203-A612-8120A71CA906}" srcOrd="1" destOrd="0" presId="urn:microsoft.com/office/officeart/2005/8/layout/hList9"/>
+    <dgm:cxn modelId="{FD32867B-7A35-473E-930B-F6C4C0BF7CFF}" type="presOf" srcId="{8321AB85-EA8C-4958-B404-B4C118CB3C18}" destId="{68509703-D239-4E1B-8CF0-EF08079E1226}" srcOrd="0" destOrd="0" presId="urn:microsoft.com/office/officeart/2005/8/layout/hList9"/>
+    <dgm:cxn modelId="{636C9B0B-1883-462A-A4D9-5446606E4E87}" type="presOf" srcId="{7CB6360B-4022-4E96-922B-A12DE0E2A39F}" destId="{D685DD23-B321-4B5E-842F-394CB33239FA}" srcOrd="1" destOrd="0" presId="urn:microsoft.com/office/officeart/2005/8/layout/hList9"/>
+    <dgm:cxn modelId="{61A5743D-23FB-447E-99E2-6637ACCEAB91}" type="presOf" srcId="{29E78340-8EBE-415C-B973-78A91A054B9C}" destId="{614EBA0E-D12B-447E-B378-B0FA2DEBEA2F}" srcOrd="0" destOrd="0" presId="urn:microsoft.com/office/officeart/2005/8/layout/hList9"/>
+    <dgm:cxn modelId="{DDB5AD9A-40B0-48EF-AF2C-8CCDA330F7FE}" srcId="{B4F1B46E-22B2-4721-950C-8704487586DC}" destId="{9D72CDD3-5859-43DB-BD75-0C3C30E3DE62}" srcOrd="0" destOrd="0" parTransId="{1D5B1F83-33A7-4298-BC11-2B1252AFAEA5}" sibTransId="{15E25BD4-1EBF-43C2-8885-DBF66B8429E1}"/>
+    <dgm:cxn modelId="{D9BF0794-EFB2-49BB-B522-F0F818BE6EBB}" type="presOf" srcId="{B4F1B46E-22B2-4721-950C-8704487586DC}" destId="{FC7ED273-8CFD-43C2-9C05-44FADF3E0637}" srcOrd="0" destOrd="0" presId="urn:microsoft.com/office/officeart/2005/8/layout/hList9"/>
+    <dgm:cxn modelId="{129AEA77-5D2A-49D4-956D-99009974B6C5}" srcId="{F2881FB1-6580-4F21-A283-BFAA6F91D5D2}" destId="{8321AB85-EA8C-4958-B404-B4C118CB3C18}" srcOrd="2" destOrd="0" parTransId="{24ABE8B3-7220-436D-9636-F7B4C0B99576}" sibTransId="{AA5F76CE-8FD4-4692-8BB1-EF84CF9D365E}"/>
     <dgm:cxn modelId="{8FAB4659-6291-457D-941A-93BCD304031A}" srcId="{B4F1B46E-22B2-4721-950C-8704487586DC}" destId="{70879558-61CA-4CCD-B2D6-5349B01EF337}" srcOrd="3" destOrd="0" parTransId="{95F5E6EE-4E8D-49F8-8C9E-8BBFD01B6A0E}" sibTransId="{053E317B-DD3F-4AFF-90D1-A55D37D325DC}"/>
+    <dgm:cxn modelId="{FC7BD086-74EA-4D6C-9657-E916D355F209}" srcId="{6352CA33-6755-44BE-808F-400DA4CF80A7}" destId="{9614A323-64B1-4077-A841-022051EC749A}" srcOrd="0" destOrd="0" parTransId="{E5F6BCBD-B84E-4018-BE9E-BF57FF3B4B36}" sibTransId="{FEC2A79F-8857-403A-A738-E8CE75C965E2}"/>
+    <dgm:cxn modelId="{3204ED53-15A0-4643-A582-021A785F1BA2}" srcId="{F2881FB1-6580-4F21-A283-BFAA6F91D5D2}" destId="{D5197DDB-D5D2-499F-B255-CF7BB5AE2B43}" srcOrd="0" destOrd="0" parTransId="{B14A4DC9-F40A-4867-ADB8-4BA8A1F83766}" sibTransId="{29F2454A-2FA8-4B3A-AC63-4A0B9FD04A75}"/>
+    <dgm:cxn modelId="{4FEAE301-78F1-4A7E-B803-6D505FD60CD1}" type="presOf" srcId="{70879558-61CA-4CCD-B2D6-5349B01EF337}" destId="{51F68A05-A560-4C6F-BC90-521AEF3B0907}" srcOrd="0" destOrd="0" presId="urn:microsoft.com/office/officeart/2005/8/layout/hList9"/>
+    <dgm:cxn modelId="{0639E65D-B235-4DAD-8C33-D6B4C7D5BEB1}" type="presOf" srcId="{9614A323-64B1-4077-A841-022051EC749A}" destId="{AD2806AC-6A03-4F05-9F4D-F72EA0E56FBF}" srcOrd="0" destOrd="0" presId="urn:microsoft.com/office/officeart/2005/8/layout/hList9"/>
+    <dgm:cxn modelId="{D11500ED-E9A2-4FC9-B03C-FE7788F28EB9}" type="presOf" srcId="{F9D46839-CD06-4669-AAE4-4D1E9AFEDA78}" destId="{59179C9B-8BA4-4AC7-ACB1-A12DE00142E2}" srcOrd="0" destOrd="0" presId="urn:microsoft.com/office/officeart/2005/8/layout/hList9"/>
+    <dgm:cxn modelId="{8404ED78-E818-410E-B33B-E808A19FACFE}" type="presOf" srcId="{70879558-61CA-4CCD-B2D6-5349B01EF337}" destId="{3EBE42F0-6491-49CC-95DC-985BA00CD458}" srcOrd="1" destOrd="0" presId="urn:microsoft.com/office/officeart/2005/8/layout/hList9"/>
+    <dgm:cxn modelId="{EFAFD673-9012-44B0-A83B-EFF4AC6CE710}" type="presOf" srcId="{9614A323-64B1-4077-A841-022051EC749A}" destId="{F8977219-728E-448F-AE8B-46B14F4F17DE}" srcOrd="1" destOrd="0" presId="urn:microsoft.com/office/officeart/2005/8/layout/hList9"/>
+    <dgm:cxn modelId="{2C8317B2-2EBB-4589-86EA-C77B3B6E81AA}" srcId="{00C18FBF-3FF5-4C16-97CF-AF03740D7AB6}" destId="{B4F1B46E-22B2-4721-950C-8704487586DC}" srcOrd="0" destOrd="0" parTransId="{E8A66543-CC4D-4785-A93E-5B125E09F826}" sibTransId="{A7E2530A-34E2-4E9F-BC78-8920BA140C41}"/>
+    <dgm:cxn modelId="{E1B689BA-CD01-4E88-B039-221A4890C85A}" type="presOf" srcId="{9D72CDD3-5859-43DB-BD75-0C3C30E3DE62}" destId="{6B08AC4B-4CEC-41E5-AE19-47A4E2720563}" srcOrd="0" destOrd="0" presId="urn:microsoft.com/office/officeart/2005/8/layout/hList9"/>
+    <dgm:cxn modelId="{5DCD8241-E45D-4ADC-859D-AB5F7884D96E}" type="presOf" srcId="{F2881FB1-6580-4F21-A283-BFAA6F91D5D2}" destId="{FD776C1E-557E-4553-9447-49B69EEC7907}" srcOrd="0" destOrd="0" presId="urn:microsoft.com/office/officeart/2005/8/layout/hList9"/>
+    <dgm:cxn modelId="{8056FA69-81EA-4128-9571-E7F9D9F9D50F}" type="presOf" srcId="{7CB6360B-4022-4E96-922B-A12DE0E2A39F}" destId="{1877502C-A892-4DC0-ADA6-FA065097BB90}" srcOrd="0" destOrd="0" presId="urn:microsoft.com/office/officeart/2005/8/layout/hList9"/>
+    <dgm:cxn modelId="{AD25A8A0-4628-40E2-8C9E-64E6AD4D4D91}" srcId="{B4F1B46E-22B2-4721-950C-8704487586DC}" destId="{F9D46839-CD06-4669-AAE4-4D1E9AFEDA78}" srcOrd="1" destOrd="0" parTransId="{B6B535D8-00AB-4FA1-AAEC-92498ABC6F4C}" sibTransId="{6497F199-DC2A-41F9-A449-D395E6BC4900}"/>
     <dgm:cxn modelId="{5DDAFD7A-FEF2-41C2-8EFD-733FC1BF048E}" type="presOf" srcId="{D5197DDB-D5D2-499F-B255-CF7BB5AE2B43}" destId="{F660F4B9-35DB-4256-A868-A35C6DCCF6B2}" srcOrd="0" destOrd="0" presId="urn:microsoft.com/office/officeart/2005/8/layout/hList9"/>
-    <dgm:cxn modelId="{4A31D641-1B5D-46D3-B685-0C4DC6EFE71B}" srcId="{00C18FBF-3FF5-4C16-97CF-AF03740D7AB6}" destId="{F2881FB1-6580-4F21-A283-BFAA6F91D5D2}" srcOrd="1" destOrd="0" parTransId="{2D960FDD-BADA-480D-9043-497C56588AD3}" sibTransId="{A5ABDC17-7AB5-4F0E-992A-F9343F5D74EB}"/>
-    <dgm:cxn modelId="{E1B689BA-CD01-4E88-B039-221A4890C85A}" type="presOf" srcId="{9D72CDD3-5859-43DB-BD75-0C3C30E3DE62}" destId="{6B08AC4B-4CEC-41E5-AE19-47A4E2720563}" srcOrd="0" destOrd="0" presId="urn:microsoft.com/office/officeart/2005/8/layout/hList9"/>
-    <dgm:cxn modelId="{FC7BD086-74EA-4D6C-9657-E916D355F209}" srcId="{6352CA33-6755-44BE-808F-400DA4CF80A7}" destId="{9614A323-64B1-4077-A841-022051EC749A}" srcOrd="0" destOrd="0" parTransId="{E5F6BCBD-B84E-4018-BE9E-BF57FF3B4B36}" sibTransId="{FEC2A79F-8857-403A-A738-E8CE75C965E2}"/>
-    <dgm:cxn modelId="{EBC5E039-6669-4672-9CFF-48D32C52D055}" type="presOf" srcId="{6352CA33-6755-44BE-808F-400DA4CF80A7}" destId="{89E6DA6E-7A23-44BD-8A99-378091FF741D}" srcOrd="0" destOrd="0" presId="urn:microsoft.com/office/officeart/2005/8/layout/hList9"/>
+    <dgm:cxn modelId="{990FDEF7-8515-44C3-968F-EF0A7B203DB1}" type="presOf" srcId="{29E78340-8EBE-415C-B973-78A91A054B9C}" destId="{B12AEB83-0A64-4B36-BF01-B2F834861BAA}" srcOrd="1" destOrd="0" presId="urn:microsoft.com/office/officeart/2005/8/layout/hList9"/>
     <dgm:cxn modelId="{311348D8-FDE3-4C22-99F5-3B98C5F51F0D}" srcId="{F2881FB1-6580-4F21-A283-BFAA6F91D5D2}" destId="{29E78340-8EBE-415C-B973-78A91A054B9C}" srcOrd="1" destOrd="0" parTransId="{FF4E5F97-6974-4E39-A85D-DCB2E100798E}" sibTransId="{B4B9A51E-FA34-465E-B5B4-81CD76EB3FC2}"/>
-    <dgm:cxn modelId="{EFAFD673-9012-44B0-A83B-EFF4AC6CE710}" type="presOf" srcId="{9614A323-64B1-4077-A841-022051EC749A}" destId="{F8977219-728E-448F-AE8B-46B14F4F17DE}" srcOrd="1" destOrd="0" presId="urn:microsoft.com/office/officeart/2005/8/layout/hList9"/>
-    <dgm:cxn modelId="{129AEA77-5D2A-49D4-956D-99009974B6C5}" srcId="{F2881FB1-6580-4F21-A283-BFAA6F91D5D2}" destId="{8321AB85-EA8C-4958-B404-B4C118CB3C18}" srcOrd="2" destOrd="0" parTransId="{24ABE8B3-7220-436D-9636-F7B4C0B99576}" sibTransId="{AA5F76CE-8FD4-4692-8BB1-EF84CF9D365E}"/>
-    <dgm:cxn modelId="{4F749AAE-5806-4C28-BB8F-66C6F35AE249}" type="presOf" srcId="{D5197DDB-D5D2-499F-B255-CF7BB5AE2B43}" destId="{10C9E3CF-3A8F-4100-8ACD-91E2373197A2}" srcOrd="1" destOrd="0" presId="urn:microsoft.com/office/officeart/2005/8/layout/hList9"/>
-    <dgm:cxn modelId="{5DCD8241-E45D-4ADC-859D-AB5F7884D96E}" type="presOf" srcId="{F2881FB1-6580-4F21-A283-BFAA6F91D5D2}" destId="{FD776C1E-557E-4553-9447-49B69EEC7907}" srcOrd="0" destOrd="0" presId="urn:microsoft.com/office/officeart/2005/8/layout/hList9"/>
-    <dgm:cxn modelId="{636C9B0B-1883-462A-A4D9-5446606E4E87}" type="presOf" srcId="{7CB6360B-4022-4E96-922B-A12DE0E2A39F}" destId="{D685DD23-B321-4B5E-842F-394CB33239FA}" srcOrd="1" destOrd="0" presId="urn:microsoft.com/office/officeart/2005/8/layout/hList9"/>
-    <dgm:cxn modelId="{8404ED78-E818-410E-B33B-E808A19FACFE}" type="presOf" srcId="{70879558-61CA-4CCD-B2D6-5349B01EF337}" destId="{3EBE42F0-6491-49CC-95DC-985BA00CD458}" srcOrd="1" destOrd="0" presId="urn:microsoft.com/office/officeart/2005/8/layout/hList9"/>
-    <dgm:cxn modelId="{FD32867B-7A35-473E-930B-F6C4C0BF7CFF}" type="presOf" srcId="{8321AB85-EA8C-4958-B404-B4C118CB3C18}" destId="{68509703-D239-4E1B-8CF0-EF08079E1226}" srcOrd="0" destOrd="0" presId="urn:microsoft.com/office/officeart/2005/8/layout/hList9"/>
-    <dgm:cxn modelId="{61A5743D-23FB-447E-99E2-6637ACCEAB91}" type="presOf" srcId="{29E78340-8EBE-415C-B973-78A91A054B9C}" destId="{614EBA0E-D12B-447E-B378-B0FA2DEBEA2F}" srcOrd="0" destOrd="0" presId="urn:microsoft.com/office/officeart/2005/8/layout/hList9"/>
-    <dgm:cxn modelId="{3204ED53-15A0-4643-A582-021A785F1BA2}" srcId="{F2881FB1-6580-4F21-A283-BFAA6F91D5D2}" destId="{D5197DDB-D5D2-499F-B255-CF7BB5AE2B43}" srcOrd="0" destOrd="0" parTransId="{B14A4DC9-F40A-4867-ADB8-4BA8A1F83766}" sibTransId="{29F2454A-2FA8-4B3A-AC63-4A0B9FD04A75}"/>
-    <dgm:cxn modelId="{DDB5AD9A-40B0-48EF-AF2C-8CCDA330F7FE}" srcId="{B4F1B46E-22B2-4721-950C-8704487586DC}" destId="{9D72CDD3-5859-43DB-BD75-0C3C30E3DE62}" srcOrd="0" destOrd="0" parTransId="{1D5B1F83-33A7-4298-BC11-2B1252AFAEA5}" sibTransId="{15E25BD4-1EBF-43C2-8885-DBF66B8429E1}"/>
-    <dgm:cxn modelId="{EA8D15D4-421E-4DBD-8760-4C3A3FA67BE9}" type="presOf" srcId="{F9D46839-CD06-4669-AAE4-4D1E9AFEDA78}" destId="{4AE7D907-B6F4-4647-AB3F-ABE94C438AE8}" srcOrd="1" destOrd="0" presId="urn:microsoft.com/office/officeart/2005/8/layout/hList9"/>
-    <dgm:cxn modelId="{2C8317B2-2EBB-4589-86EA-C77B3B6E81AA}" srcId="{00C18FBF-3FF5-4C16-97CF-AF03740D7AB6}" destId="{B4F1B46E-22B2-4721-950C-8704487586DC}" srcOrd="0" destOrd="0" parTransId="{E8A66543-CC4D-4785-A93E-5B125E09F826}" sibTransId="{A7E2530A-34E2-4E9F-BC78-8920BA140C41}"/>
-    <dgm:cxn modelId="{38E64F84-6389-4C7A-8355-2927829B899C}" type="presOf" srcId="{8321AB85-EA8C-4958-B404-B4C118CB3C18}" destId="{E1767793-EDD5-4203-A612-8120A71CA906}" srcOrd="1" destOrd="0" presId="urn:microsoft.com/office/officeart/2005/8/layout/hList9"/>
-    <dgm:cxn modelId="{8056FA69-81EA-4128-9571-E7F9D9F9D50F}" type="presOf" srcId="{7CB6360B-4022-4E96-922B-A12DE0E2A39F}" destId="{1877502C-A892-4DC0-ADA6-FA065097BB90}" srcOrd="0" destOrd="0" presId="urn:microsoft.com/office/officeart/2005/8/layout/hList9"/>
-    <dgm:cxn modelId="{82BAE5DD-3A79-4870-9019-1254385E0650}" srcId="{00C18FBF-3FF5-4C16-97CF-AF03740D7AB6}" destId="{6352CA33-6755-44BE-808F-400DA4CF80A7}" srcOrd="2" destOrd="0" parTransId="{AEB59203-63BA-4A96-BADC-40BAEBD9AA40}" sibTransId="{AAB4CF73-4B9B-4AA0-9074-16C2D2AE00A1}"/>
     <dgm:cxn modelId="{19740861-ADEC-48FC-A401-CDE26E3EBD85}" type="presOf" srcId="{9D72CDD3-5859-43DB-BD75-0C3C30E3DE62}" destId="{187D4E8C-5C91-4D00-870C-2C45D4EA263C}" srcOrd="1" destOrd="0" presId="urn:microsoft.com/office/officeart/2005/8/layout/hList9"/>
     <dgm:cxn modelId="{CD5EFFB3-C9FD-4DAC-8D97-0C2FB02B380B}" srcId="{B4F1B46E-22B2-4721-950C-8704487586DC}" destId="{7CB6360B-4022-4E96-922B-A12DE0E2A39F}" srcOrd="2" destOrd="0" parTransId="{44B2858F-607B-47DF-B44B-EA7D73FDC9F2}" sibTransId="{B35ED9D1-2A17-4034-8D08-4945CA54F6C9}"/>
-    <dgm:cxn modelId="{AD25A8A0-4628-40E2-8C9E-64E6AD4D4D91}" srcId="{B4F1B46E-22B2-4721-950C-8704487586DC}" destId="{F9D46839-CD06-4669-AAE4-4D1E9AFEDA78}" srcOrd="1" destOrd="0" parTransId="{B6B535D8-00AB-4FA1-AAEC-92498ABC6F4C}" sibTransId="{6497F199-DC2A-41F9-A449-D395E6BC4900}"/>
-    <dgm:cxn modelId="{0639E65D-B235-4DAD-8C33-D6B4C7D5BEB1}" type="presOf" srcId="{9614A323-64B1-4077-A841-022051EC749A}" destId="{AD2806AC-6A03-4F05-9F4D-F72EA0E56FBF}" srcOrd="0" destOrd="0" presId="urn:microsoft.com/office/officeart/2005/8/layout/hList9"/>
-    <dgm:cxn modelId="{D9BF0794-EFB2-49BB-B522-F0F818BE6EBB}" type="presOf" srcId="{B4F1B46E-22B2-4721-950C-8704487586DC}" destId="{FC7ED273-8CFD-43C2-9C05-44FADF3E0637}" srcOrd="0" destOrd="0" presId="urn:microsoft.com/office/officeart/2005/8/layout/hList9"/>
-    <dgm:cxn modelId="{4FEAE301-78F1-4A7E-B803-6D505FD60CD1}" type="presOf" srcId="{70879558-61CA-4CCD-B2D6-5349B01EF337}" destId="{51F68A05-A560-4C6F-BC90-521AEF3B0907}" srcOrd="0" destOrd="0" presId="urn:microsoft.com/office/officeart/2005/8/layout/hList9"/>
+    <dgm:cxn modelId="{82BAE5DD-3A79-4870-9019-1254385E0650}" srcId="{00C18FBF-3FF5-4C16-97CF-AF03740D7AB6}" destId="{6352CA33-6755-44BE-808F-400DA4CF80A7}" srcOrd="2" destOrd="0" parTransId="{AEB59203-63BA-4A96-BADC-40BAEBD9AA40}" sibTransId="{AAB4CF73-4B9B-4AA0-9074-16C2D2AE00A1}"/>
+    <dgm:cxn modelId="{EBC5E039-6669-4672-9CFF-48D32C52D055}" type="presOf" srcId="{6352CA33-6755-44BE-808F-400DA4CF80A7}" destId="{89E6DA6E-7A23-44BD-8A99-378091FF741D}" srcOrd="0" destOrd="0" presId="urn:microsoft.com/office/officeart/2005/8/layout/hList9"/>
+    <dgm:cxn modelId="{4A31D641-1B5D-46D3-B685-0C4DC6EFE71B}" srcId="{00C18FBF-3FF5-4C16-97CF-AF03740D7AB6}" destId="{F2881FB1-6580-4F21-A283-BFAA6F91D5D2}" srcOrd="1" destOrd="0" parTransId="{2D960FDD-BADA-480D-9043-497C56588AD3}" sibTransId="{A5ABDC17-7AB5-4F0E-992A-F9343F5D74EB}"/>
     <dgm:cxn modelId="{3EA48FA6-6D9A-4B2C-90BC-2753DA9C9FE8}" type="presOf" srcId="{00C18FBF-3FF5-4C16-97CF-AF03740D7AB6}" destId="{0DC7A063-583D-4B0F-88B2-BD54F95D95AF}" srcOrd="0" destOrd="0" presId="urn:microsoft.com/office/officeart/2005/8/layout/hList9"/>
-    <dgm:cxn modelId="{D11500ED-E9A2-4FC9-B03C-FE7788F28EB9}" type="presOf" srcId="{F9D46839-CD06-4669-AAE4-4D1E9AFEDA78}" destId="{59179C9B-8BA4-4AC7-ACB1-A12DE00142E2}" srcOrd="0" destOrd="0" presId="urn:microsoft.com/office/officeart/2005/8/layout/hList9"/>
-    <dgm:cxn modelId="{990FDEF7-8515-44C3-968F-EF0A7B203DB1}" type="presOf" srcId="{29E78340-8EBE-415C-B973-78A91A054B9C}" destId="{B12AEB83-0A64-4B36-BF01-B2F834861BAA}" srcOrd="1" destOrd="0" presId="urn:microsoft.com/office/officeart/2005/8/layout/hList9"/>
+    <dgm:cxn modelId="{4F749AAE-5806-4C28-BB8F-66C6F35AE249}" type="presOf" srcId="{D5197DDB-D5D2-499F-B255-CF7BB5AE2B43}" destId="{10C9E3CF-3A8F-4100-8ACD-91E2373197A2}" srcOrd="1" destOrd="0" presId="urn:microsoft.com/office/officeart/2005/8/layout/hList9"/>
+    <dgm:cxn modelId="{EA8D15D4-421E-4DBD-8760-4C3A3FA67BE9}" type="presOf" srcId="{F9D46839-CD06-4669-AAE4-4D1E9AFEDA78}" destId="{4AE7D907-B6F4-4647-AB3F-ABE94C438AE8}" srcOrd="1" destOrd="0" presId="urn:microsoft.com/office/officeart/2005/8/layout/hList9"/>
     <dgm:cxn modelId="{6CE0A31D-20EA-4490-BCD4-A01754927BD6}" type="presParOf" srcId="{0DC7A063-583D-4B0F-88B2-BD54F95D95AF}" destId="{3B23570A-ECC9-4DF8-BCB4-0465C69CBB88}" srcOrd="0" destOrd="0" presId="urn:microsoft.com/office/officeart/2005/8/layout/hList9"/>
     <dgm:cxn modelId="{67961CDA-7CE0-479B-BA95-3CC4BABC39DF}" type="presParOf" srcId="{0DC7A063-583D-4B0F-88B2-BD54F95D95AF}" destId="{FC66A233-6BBA-46AF-B2F6-28E379B158E2}" srcOrd="1" destOrd="0" presId="urn:microsoft.com/office/officeart/2005/8/layout/hList9"/>
     <dgm:cxn modelId="{9BCACC7B-89C1-4715-B4A0-9EE26FEEF442}" type="presParOf" srcId="{FC66A233-6BBA-46AF-B2F6-28E379B158E2}" destId="{46739A04-1AA3-49C6-8EA7-EB1DE975B900}" srcOrd="0" destOrd="0" presId="urn:microsoft.com/office/officeart/2005/8/layout/hList9"/>
@@ -5024,7 +5049,13 @@
             <a:rPr lang="en-US" sz="600" kern="1200" dirty="0" smtClean="0">
               <a:hlinkClick xmlns:r="http://schemas.openxmlformats.org/officeDocument/2006/relationships" r:id="rId1"/>
             </a:rPr>
-            <a:t>https://</a:t>
+            <a:t>https</a:t>
+          </a:r>
+          <a:r>
+            <a:rPr lang="en-US" sz="600" kern="1200" dirty="0" smtClean="0">
+              <a:hlinkClick xmlns:r="http://schemas.openxmlformats.org/officeDocument/2006/relationships" r:id="rId1"/>
+            </a:rPr>
+            <a:t>://</a:t>
           </a:r>
           <a:r>
             <a:rPr lang="en-US" sz="600" strike="noStrike" kern="1200" baseline="0" dirty="0" smtClean="0">
@@ -5033,16 +5064,7 @@
               </a:solidFill>
               <a:hlinkClick xmlns:r="http://schemas.openxmlformats.org/officeDocument/2006/relationships" r:id="rId1"/>
             </a:rPr>
-            <a:t>window</a:t>
-          </a:r>
-          <a:r>
-            <a:rPr lang="en-US" sz="600" strike="sngStrike" kern="1200" baseline="0" dirty="0" smtClean="0">
-              <a:solidFill>
-                <a:srgbClr val="FF0000"/>
-              </a:solidFill>
-              <a:hlinkClick xmlns:r="http://schemas.openxmlformats.org/officeDocument/2006/relationships" r:id="rId1"/>
-            </a:rPr>
-            <a:t>s</a:t>
+            <a:t>desktop</a:t>
           </a:r>
           <a:r>
             <a:rPr lang="en-US" sz="600" kern="1200" dirty="0" smtClean="0">
@@ -8981,7 +9003,7 @@
           <a:p>
             <a:fld id="{23CEAAF3-9831-450B-8D59-2C09DB96C8FC}" type="datetimeFigureOut">
               <a:rPr lang="en-US"/>
-              <a:t>5/5/2016</a:t>
+              <a:t>5/6/2016</a:t>
             </a:fld>
             <a:endParaRPr/>
           </a:p>
@@ -9146,7 +9168,7 @@
           <a:p>
             <a:fld id="{2D50CD79-FC16-4410-AB61-17F26E6D3BC8}" type="datetimeFigureOut">
               <a:rPr lang="en-US"/>
-              <a:t>5/5/2016</a:t>
+              <a:t>5/6/2016</a:t>
             </a:fld>
             <a:endParaRPr/>
           </a:p>
@@ -10309,7 +10331,7 @@
           <a:p>
             <a:fld id="{402B9795-92DC-40DC-A1CA-9A4B349D7824}" type="datetimeFigureOut">
               <a:rPr lang="en-US"/>
-              <a:t>5/5/2016</a:t>
+              <a:t>5/6/2016</a:t>
             </a:fld>
             <a:endParaRPr/>
           </a:p>
@@ -10625,7 +10647,7 @@
           <a:p>
             <a:fld id="{402B9795-92DC-40DC-A1CA-9A4B349D7824}" type="datetimeFigureOut">
               <a:rPr lang="en-US"/>
-              <a:t>5/5/2016</a:t>
+              <a:t>5/6/2016</a:t>
             </a:fld>
             <a:endParaRPr/>
           </a:p>
@@ -10807,7 +10829,7 @@
           <a:p>
             <a:fld id="{402B9795-92DC-40DC-A1CA-9A4B349D7824}" type="datetimeFigureOut">
               <a:rPr lang="en-US"/>
-              <a:t>5/5/2016</a:t>
+              <a:t>5/6/2016</a:t>
             </a:fld>
             <a:endParaRPr/>
           </a:p>
@@ -10999,7 +11021,7 @@
           <a:p>
             <a:fld id="{402B9795-92DC-40DC-A1CA-9A4B349D7824}" type="datetimeFigureOut">
               <a:rPr lang="en-US"/>
-              <a:t>5/5/2016</a:t>
+              <a:t>5/6/2016</a:t>
             </a:fld>
             <a:endParaRPr/>
           </a:p>
@@ -11268,7 +11290,7 @@
           <a:p>
             <a:fld id="{402B9795-92DC-40DC-A1CA-9A4B349D7824}" type="datetimeFigureOut">
               <a:rPr lang="en-US"/>
-              <a:t>5/5/2016</a:t>
+              <a:t>5/6/2016</a:t>
             </a:fld>
             <a:endParaRPr/>
           </a:p>
@@ -12327,7 +12349,7 @@
           <a:p>
             <a:fld id="{402B9795-92DC-40DC-A1CA-9A4B349D7824}" type="datetimeFigureOut">
               <a:rPr lang="en-US"/>
-              <a:t>5/5/2016</a:t>
+              <a:t>5/6/2016</a:t>
             </a:fld>
             <a:endParaRPr/>
           </a:p>
@@ -12637,7 +12659,7 @@
           <a:p>
             <a:fld id="{402B9795-92DC-40DC-A1CA-9A4B349D7824}" type="datetimeFigureOut">
               <a:rPr lang="en-US"/>
-              <a:t>5/5/2016</a:t>
+              <a:t>5/6/2016</a:t>
             </a:fld>
             <a:endParaRPr/>
           </a:p>
@@ -13017,7 +13039,7 @@
           <a:p>
             <a:fld id="{402B9795-92DC-40DC-A1CA-9A4B349D7824}" type="datetimeFigureOut">
               <a:rPr lang="en-US"/>
-              <a:t>5/5/2016</a:t>
+              <a:t>5/6/2016</a:t>
             </a:fld>
             <a:endParaRPr/>
           </a:p>
@@ -13147,7 +13169,7 @@
           <a:p>
             <a:fld id="{402B9795-92DC-40DC-A1CA-9A4B349D7824}" type="datetimeFigureOut">
               <a:rPr lang="en-US"/>
-              <a:t>5/5/2016</a:t>
+              <a:t>5/6/2016</a:t>
             </a:fld>
             <a:endParaRPr/>
           </a:p>
@@ -13254,7 +13276,7 @@
           <a:p>
             <a:fld id="{402B9795-92DC-40DC-A1CA-9A4B349D7824}" type="datetimeFigureOut">
               <a:rPr lang="en-US"/>
-              <a:t>5/5/2016</a:t>
+              <a:t>5/6/2016</a:t>
             </a:fld>
             <a:endParaRPr/>
           </a:p>
@@ -13545,7 +13567,7 @@
           <a:p>
             <a:fld id="{402B9795-92DC-40DC-A1CA-9A4B349D7824}" type="datetimeFigureOut">
               <a:rPr lang="en-US"/>
-              <a:t>5/5/2016</a:t>
+              <a:t>5/6/2016</a:t>
             </a:fld>
             <a:endParaRPr/>
           </a:p>
@@ -13772,7 +13794,7 @@
             <a:fld id="{402B9795-92DC-40DC-A1CA-9A4B349D7824}" type="datetimeFigureOut">
               <a:rPr lang="en-US"/>
               <a:pPr/>
-              <a:t>5/5/2016</a:t>
+              <a:t>5/6/2016</a:t>
             </a:fld>
             <a:endParaRPr/>
           </a:p>
@@ -14657,7 +14679,15 @@
             </a:r>
             <a:r>
               <a:rPr lang="en-US" dirty="0" smtClean="0"/>
-              <a:t>: Windows console user interface, used to enter Git commands, on a Mac is called Terminal</a:t>
+              <a:t>: Windows console user </a:t>
+            </a:r>
+            <a:r>
+              <a:rPr lang="en-US" dirty="0" smtClean="0"/>
+              <a:t>interface used </a:t>
+            </a:r>
+            <a:r>
+              <a:rPr lang="en-US" dirty="0" smtClean="0"/>
+              <a:t>to enter Git commands, on a Mac is called Terminal</a:t>
             </a:r>
           </a:p>
           <a:p>
@@ -17102,7 +17132,7 @@
             <p:ph idx="1"/>
             <p:extLst>
               <p:ext uri="{D42A27DB-BD31-4B8C-83A1-F6EECF244321}">
-                <p14:modId xmlns:p14="http://schemas.microsoft.com/office/powerpoint/2010/main" val="3829297456"/>
+                <p14:modId xmlns:p14="http://schemas.microsoft.com/office/powerpoint/2010/main" val="2786595404"/>
               </p:ext>
             </p:extLst>
           </p:nvPr>
@@ -17427,8 +17457,28 @@
               <a:t>The command above creates a new subdirectory name .</a:t>
             </a:r>
             <a:r>
+              <a:rPr lang="en-US" dirty="0" err="1"/>
+              <a:t>git</a:t>
+            </a:r>
+            <a:r>
               <a:rPr lang="en-US" dirty="0"/>
-              <a:t>git hat contains all of your necessary repository files – a Git repository </a:t>
+              <a:t> </a:t>
+            </a:r>
+            <a:r>
+              <a:rPr lang="en-US" dirty="0" smtClean="0">
+                <a:solidFill>
+                  <a:srgbClr val="FF0000"/>
+                </a:solidFill>
+              </a:rPr>
+              <a:t>t</a:t>
+            </a:r>
+            <a:r>
+              <a:rPr lang="en-US" dirty="0" smtClean="0"/>
+              <a:t>hat </a:t>
+            </a:r>
+            <a:r>
+              <a:rPr lang="en-US" dirty="0"/>
+              <a:t>contains all of your necessary repository files – a Git repository </a:t>
             </a:r>
             <a:r>
               <a:rPr lang="en-US" dirty="0" smtClean="0"/>
